--- a/DS3/DIGNO DE GLÓRIA.pptx
+++ b/DS3/DIGNO DE GLÓRIA.pptx
@@ -5,18 +5,29 @@
     <p:sldMasterId id="2147483660" r:id="rId2"/>
   </p:sldMasterIdLst>
   <p:notesMasterIdLst>
-    <p:notesMasterId r:id="rId9"/>
+    <p:notesMasterId r:id="rId20"/>
   </p:notesMasterIdLst>
   <p:handoutMasterIdLst>
-    <p:handoutMasterId r:id="rId10"/>
+    <p:handoutMasterId r:id="rId21"/>
   </p:handoutMasterIdLst>
   <p:sldIdLst>
-    <p:sldId id="268" r:id="rId3"/>
+    <p:sldId id="274" r:id="rId3"/>
     <p:sldId id="258" r:id="rId4"/>
     <p:sldId id="270" r:id="rId5"/>
-    <p:sldId id="269" r:id="rId6"/>
-    <p:sldId id="272" r:id="rId7"/>
-    <p:sldId id="273" r:id="rId8"/>
+    <p:sldId id="275" r:id="rId6"/>
+    <p:sldId id="276" r:id="rId7"/>
+    <p:sldId id="269" r:id="rId8"/>
+    <p:sldId id="272" r:id="rId9"/>
+    <p:sldId id="277" r:id="rId10"/>
+    <p:sldId id="278" r:id="rId11"/>
+    <p:sldId id="279" r:id="rId12"/>
+    <p:sldId id="280" r:id="rId13"/>
+    <p:sldId id="281" r:id="rId14"/>
+    <p:sldId id="282" r:id="rId15"/>
+    <p:sldId id="285" r:id="rId16"/>
+    <p:sldId id="284" r:id="rId17"/>
+    <p:sldId id="283" r:id="rId18"/>
+    <p:sldId id="286" r:id="rId19"/>
   </p:sldIdLst>
   <p:sldSz cx="12192000" cy="6858000"/>
   <p:notesSz cx="6858000" cy="9144000"/>
@@ -220,7 +231,7 @@
             <a:fld id="{E6F93605-0C0C-4258-9724-5F2F9BB3BC90}" type="datetimeFigureOut">
               <a:rPr lang="pt-BR" smtClean="0"/>
               <a:pPr/>
-              <a:t>28/05/2023</a:t>
+              <a:t>03/12/2023</a:t>
             </a:fld>
             <a:endParaRPr lang="pt-BR" dirty="0"/>
           </a:p>
@@ -387,7 +398,7 @@
             <a:fld id="{28F31B3D-E4E3-4A80-AB70-C5564C267266}" type="datetimeFigureOut">
               <a:rPr lang="pt-BR" smtClean="0"/>
               <a:pPr/>
-              <a:t>28/05/2023</a:t>
+              <a:t>03/12/2023</a:t>
             </a:fld>
             <a:endParaRPr lang="pt-BR" dirty="0"/>
           </a:p>
@@ -803,7 +814,7 @@
             <a:fld id="{37CC0096-1860-4642-9CD2-0079EA5E7CD1}" type="datetimeFigureOut">
               <a:rPr lang="pt-BR" smtClean="0"/>
               <a:pPr/>
-              <a:t>28/05/2023</a:t>
+              <a:t>03/12/2023</a:t>
             </a:fld>
             <a:endParaRPr lang="pt-BR" dirty="0"/>
           </a:p>
@@ -1003,7 +1014,7 @@
             <a:fld id="{37CC0096-1860-4642-9CD2-0079EA5E7CD1}" type="datetimeFigureOut">
               <a:rPr lang="pt-BR" smtClean="0"/>
               <a:pPr/>
-              <a:t>28/05/2023</a:t>
+              <a:t>03/12/2023</a:t>
             </a:fld>
             <a:endParaRPr lang="pt-BR" dirty="0"/>
           </a:p>
@@ -1213,7 +1224,7 @@
             <a:fld id="{37CC0096-1860-4642-9CD2-0079EA5E7CD1}" type="datetimeFigureOut">
               <a:rPr lang="pt-BR" smtClean="0"/>
               <a:pPr/>
-              <a:t>28/05/2023</a:t>
+              <a:t>03/12/2023</a:t>
             </a:fld>
             <a:endParaRPr lang="pt-BR" dirty="0"/>
           </a:p>
@@ -1413,7 +1424,7 @@
             <a:fld id="{37CC0096-1860-4642-9CD2-0079EA5E7CD1}" type="datetimeFigureOut">
               <a:rPr lang="pt-BR" smtClean="0"/>
               <a:pPr/>
-              <a:t>28/05/2023</a:t>
+              <a:t>03/12/2023</a:t>
             </a:fld>
             <a:endParaRPr lang="pt-BR" dirty="0"/>
           </a:p>
@@ -1689,7 +1700,7 @@
           <a:p>
             <a:fld id="{EC31EE9E-5D32-441A-B680-C74DEE80FFA3}" type="datetimeFigureOut">
               <a:rPr lang="pt-BR" smtClean="0"/>
-              <a:t>28/05/2023</a:t>
+              <a:t>03/12/2023</a:t>
             </a:fld>
             <a:endParaRPr lang="pt-BR"/>
           </a:p>
@@ -1967,7 +1978,7 @@
             <a:fld id="{37CC0096-1860-4642-9CD2-0079EA5E7CD1}" type="datetimeFigureOut">
               <a:rPr lang="pt-BR" smtClean="0"/>
               <a:pPr/>
-              <a:t>28/05/2023</a:t>
+              <a:t>03/12/2023</a:t>
             </a:fld>
             <a:endParaRPr lang="pt-BR" dirty="0"/>
           </a:p>
@@ -2393,7 +2404,7 @@
             <a:fld id="{37CC0096-1860-4642-9CD2-0079EA5E7CD1}" type="datetimeFigureOut">
               <a:rPr lang="pt-BR" smtClean="0"/>
               <a:pPr/>
-              <a:t>28/05/2023</a:t>
+              <a:t>03/12/2023</a:t>
             </a:fld>
             <a:endParaRPr lang="pt-BR" dirty="0"/>
           </a:p>
@@ -2548,7 +2559,7 @@
             <a:fld id="{37CC0096-1860-4642-9CD2-0079EA5E7CD1}" type="datetimeFigureOut">
               <a:rPr lang="pt-BR" smtClean="0"/>
               <a:pPr/>
-              <a:t>28/05/2023</a:t>
+              <a:t>03/12/2023</a:t>
             </a:fld>
             <a:endParaRPr lang="pt-BR" dirty="0"/>
           </a:p>
@@ -2663,7 +2674,7 @@
             <a:fld id="{37CC0096-1860-4642-9CD2-0079EA5E7CD1}" type="datetimeFigureOut">
               <a:rPr lang="pt-BR" smtClean="0"/>
               <a:pPr/>
-              <a:t>28/05/2023</a:t>
+              <a:t>03/12/2023</a:t>
             </a:fld>
             <a:endParaRPr lang="pt-BR" dirty="0"/>
           </a:p>
@@ -2988,7 +2999,7 @@
             <a:fld id="{37CC0096-1860-4642-9CD2-0079EA5E7CD1}" type="datetimeFigureOut">
               <a:rPr lang="pt-BR" smtClean="0"/>
               <a:pPr/>
-              <a:t>28/05/2023</a:t>
+              <a:t>03/12/2023</a:t>
             </a:fld>
             <a:endParaRPr lang="pt-BR" dirty="0"/>
           </a:p>
@@ -3289,7 +3300,7 @@
           <a:p>
             <a:fld id="{EC31EE9E-5D32-441A-B680-C74DEE80FFA3}" type="datetimeFigureOut">
               <a:rPr lang="pt-BR" smtClean="0"/>
-              <a:t>28/05/2023</a:t>
+              <a:t>03/12/2023</a:t>
             </a:fld>
             <a:endParaRPr lang="pt-BR"/>
           </a:p>
@@ -3543,7 +3554,7 @@
             <a:fld id="{37CC0096-1860-4642-9CD2-0079EA5E7CD1}" type="datetimeFigureOut">
               <a:rPr lang="pt-BR" smtClean="0"/>
               <a:pPr/>
-              <a:t>28/05/2023</a:t>
+              <a:t>03/12/2023</a:t>
             </a:fld>
             <a:endParaRPr lang="pt-BR" dirty="0"/>
           </a:p>
@@ -3975,6 +3986,113 @@
 <file path=ppt/slides/slide1.xml><?xml version="1.0" encoding="utf-8"?>
 <p:sld xmlns:a="http://schemas.openxmlformats.org/drawingml/2006/main" xmlns:r="http://schemas.openxmlformats.org/officeDocument/2006/relationships" xmlns:p="http://schemas.openxmlformats.org/presentationml/2006/main">
   <p:cSld>
+    <p:spTree>
+      <p:nvGrpSpPr>
+        <p:cNvPr id="1" name=""/>
+        <p:cNvGrpSpPr/>
+        <p:nvPr/>
+      </p:nvGrpSpPr>
+      <p:grpSpPr>
+        <a:xfrm>
+          <a:off x="0" y="0"/>
+          <a:ext cx="0" cy="0"/>
+          <a:chOff x="0" y="0"/>
+          <a:chExt cx="0" cy="0"/>
+        </a:xfrm>
+      </p:grpSpPr>
+      <p:sp>
+        <p:nvSpPr>
+          <p:cNvPr id="2" name="Título 1">
+            <a:extLst>
+              <a:ext uri="{FF2B5EF4-FFF2-40B4-BE49-F238E27FC236}">
+                <a16:creationId xmlns:a16="http://schemas.microsoft.com/office/drawing/2014/main" id="{2B4505FE-9FFD-8EED-5E85-EE3DC6C1CA9D}"/>
+              </a:ext>
+            </a:extLst>
+          </p:cNvPr>
+          <p:cNvSpPr>
+            <a:spLocks noGrp="1"/>
+          </p:cNvSpPr>
+          <p:nvPr>
+            <p:ph type="title"/>
+          </p:nvPr>
+        </p:nvSpPr>
+        <p:spPr>
+          <a:xfrm>
+            <a:off x="3863787" y="2444937"/>
+            <a:ext cx="8001001" cy="1325563"/>
+          </a:xfrm>
+        </p:spPr>
+        <p:txBody>
+          <a:bodyPr>
+            <a:normAutofit/>
+          </a:bodyPr>
+          <a:lstStyle/>
+          <a:p>
+            <a:r>
+              <a:rPr lang="pt-BR" sz="6000" b="1" dirty="0">
+                <a:latin typeface="Arial Black" panose="020B0A04020102020204" pitchFamily="34" charset="0"/>
+              </a:rPr>
+              <a:t>DIGNO DE GLÓRIA</a:t>
+            </a:r>
+          </a:p>
+        </p:txBody>
+      </p:sp>
+      <p:sp>
+        <p:nvSpPr>
+          <p:cNvPr id="3" name="Espaço Reservado para Conteúdo 2">
+            <a:extLst>
+              <a:ext uri="{FF2B5EF4-FFF2-40B4-BE49-F238E27FC236}">
+                <a16:creationId xmlns:a16="http://schemas.microsoft.com/office/drawing/2014/main" id="{AFF937D0-593E-7F12-389F-179B5E273840}"/>
+              </a:ext>
+            </a:extLst>
+          </p:cNvPr>
+          <p:cNvSpPr>
+            <a:spLocks noGrp="1"/>
+          </p:cNvSpPr>
+          <p:nvPr>
+            <p:ph idx="1"/>
+          </p:nvPr>
+        </p:nvSpPr>
+        <p:spPr>
+          <a:xfrm>
+            <a:off x="8292353" y="3590365"/>
+            <a:ext cx="3635188" cy="640976"/>
+          </a:xfrm>
+        </p:spPr>
+        <p:txBody>
+          <a:bodyPr>
+            <a:normAutofit/>
+          </a:bodyPr>
+          <a:lstStyle/>
+          <a:p>
+            <a:pPr marL="0" indent="0">
+              <a:buNone/>
+            </a:pPr>
+            <a:r>
+              <a:rPr lang="pt-BR" sz="3200" dirty="0">
+                <a:latin typeface="Arial Black" panose="020B0A04020102020204" pitchFamily="34" charset="0"/>
+              </a:rPr>
+              <a:t>ASAPH BORBA</a:t>
+            </a:r>
+          </a:p>
+        </p:txBody>
+      </p:sp>
+    </p:spTree>
+    <p:extLst>
+      <p:ext uri="{BB962C8B-B14F-4D97-AF65-F5344CB8AC3E}">
+        <p14:creationId xmlns:p14="http://schemas.microsoft.com/office/powerpoint/2010/main" val="482328257"/>
+      </p:ext>
+    </p:extLst>
+  </p:cSld>
+  <p:clrMapOvr>
+    <a:masterClrMapping/>
+  </p:clrMapOvr>
+</p:sld>
+</file>
+
+<file path=ppt/slides/slide10.xml><?xml version="1.0" encoding="utf-8"?>
+<p:sld xmlns:a="http://schemas.openxmlformats.org/drawingml/2006/main" xmlns:r="http://schemas.openxmlformats.org/officeDocument/2006/relationships" xmlns:p="http://schemas.openxmlformats.org/presentationml/2006/main">
+  <p:cSld>
     <p:bg>
       <p:bgPr>
         <a:blipFill dpi="0" rotWithShape="1">
@@ -4010,13 +4128,13 @@
             <a:spLocks noGrp="1"/>
           </p:cNvSpPr>
           <p:nvPr>
-            <p:ph type="ctrTitle"/>
+            <p:ph type="title"/>
           </p:nvPr>
         </p:nvSpPr>
         <p:spPr>
           <a:xfrm>
-            <a:off x="1232452" y="-212034"/>
-            <a:ext cx="10710333" cy="1464906"/>
+            <a:off x="371341" y="1524531"/>
+            <a:ext cx="11449318" cy="5054641"/>
           </a:xfrm>
         </p:spPr>
         <p:txBody>
@@ -4025,38 +4143,827 @@
           </a:bodyPr>
           <a:lstStyle/>
           <a:p>
-            <a:pPr algn="r"/>
-            <a:r>
-              <a:rPr lang="pt-BR" sz="6000" b="1" dirty="0">
-                <a:solidFill>
-                  <a:schemeClr val="tx2"/>
-                </a:solidFill>
-                <a:effectLst/>
+            <a:pPr algn="ctr"/>
+            <a:r>
+              <a:rPr lang="pt-BR" sz="9600" b="1" dirty="0">
                 <a:latin typeface="Arial Black" panose="020B0A04020102090204" pitchFamily="34" charset="0"/>
                 <a:cs typeface="Aharoni" panose="02010803020104030203" pitchFamily="2" charset="-79"/>
               </a:rPr>
               <a:t>DIGNO ÉS DE GLÓRIA</a:t>
             </a:r>
+            <a:br>
+              <a:rPr lang="pt-BR" sz="9600" b="1" dirty="0">
+                <a:latin typeface="Arial Black" panose="020B0A04020102090204" pitchFamily="34" charset="0"/>
+                <a:cs typeface="Aharoni" panose="02010803020104030203" pitchFamily="2" charset="-79"/>
+              </a:rPr>
+            </a:br>
+            <a:r>
+              <a:rPr lang="pt-BR" sz="9600" b="1" dirty="0">
+                <a:latin typeface="Arial Black" panose="020B0A04020102090204" pitchFamily="34" charset="0"/>
+                <a:cs typeface="Aharoni" panose="02010803020104030203" pitchFamily="2" charset="-79"/>
+              </a:rPr>
+              <a:t>E HONRA</a:t>
+            </a:r>
+            <a:br>
+              <a:rPr lang="pt-BR" sz="9600" b="1" dirty="0">
+                <a:latin typeface="Arial Black" panose="020B0A04020102090204" pitchFamily="34" charset="0"/>
+                <a:cs typeface="Aharoni" panose="02010803020104030203" pitchFamily="2" charset="-79"/>
+              </a:rPr>
+            </a:br>
+            <a:endParaRPr lang="pt-BR" sz="9600" b="1" dirty="0">
+              <a:latin typeface="Arial Black" panose="020B0A04020102090204" pitchFamily="34" charset="0"/>
+              <a:cs typeface="Aharoni" panose="02010803020104030203" pitchFamily="2" charset="-79"/>
+            </a:endParaRPr>
           </a:p>
         </p:txBody>
       </p:sp>
     </p:spTree>
     <p:extLst>
       <p:ext uri="{BB962C8B-B14F-4D97-AF65-F5344CB8AC3E}">
-        <p14:creationId xmlns:p14="http://schemas.microsoft.com/office/powerpoint/2010/main" val="2370110780"/>
+        <p14:creationId xmlns:p14="http://schemas.microsoft.com/office/powerpoint/2010/main" val="3619968151"/>
       </p:ext>
     </p:extLst>
   </p:cSld>
   <p:clrMapOvr>
     <a:masterClrMapping/>
   </p:clrMapOvr>
-  <mc:AlternateContent xmlns:mc="http://schemas.openxmlformats.org/markup-compatibility/2006" xmlns:p14="http://schemas.microsoft.com/office/powerpoint/2010/main">
-    <mc:Choice Requires="p14">
+  <mc:AlternateContent xmlns:mc="http://schemas.openxmlformats.org/markup-compatibility/2006">
+    <mc:Choice xmlns:p14="http://schemas.microsoft.com/office/powerpoint/2010/main" Requires="p14">
       <p:transition spd="med" p14:dur="700">
         <p:fade/>
       </p:transition>
     </mc:Choice>
-    <mc:Fallback xmlns:c="http://schemas.openxmlformats.org/drawingml/2006/chart" xmlns:dgm="http://schemas.openxmlformats.org/drawingml/2006/diagram" xmlns:cdr="http://schemas.openxmlformats.org/drawingml/2006/chartDrawing" xmlns:wne="http://schemas.microsoft.com/office/powerpoint/2006/powerpointml" xmlns:wp="http://schemas.openxmlformats.org/drawingml/2006/powerpointprocessingDrawing" xmlns:v="urn:schemas-microsoft-com:vml" xmlns:o="urn:schemas-microsoft-com:office:office" xmlns="">
+    <mc:Fallback>
+      <p:transition spd="med">
+        <p:fade/>
+      </p:transition>
+    </mc:Fallback>
+  </mc:AlternateContent>
+</p:sld>
+</file>
+
+<file path=ppt/slides/slide11.xml><?xml version="1.0" encoding="utf-8"?>
+<p:sld xmlns:a="http://schemas.openxmlformats.org/drawingml/2006/main" xmlns:r="http://schemas.openxmlformats.org/officeDocument/2006/relationships" xmlns:p="http://schemas.openxmlformats.org/presentationml/2006/main">
+  <p:cSld>
+    <p:bg>
+      <p:bgPr>
+        <a:blipFill dpi="0" rotWithShape="1">
+          <a:blip r:embed="rId2">
+            <a:lum/>
+          </a:blip>
+          <a:srcRect/>
+          <a:stretch>
+            <a:fillRect/>
+          </a:stretch>
+        </a:blipFill>
+        <a:effectLst/>
+      </p:bgPr>
+    </p:bg>
+    <p:spTree>
+      <p:nvGrpSpPr>
+        <p:cNvPr id="1" name=""/>
+        <p:cNvGrpSpPr/>
+        <p:nvPr/>
+      </p:nvGrpSpPr>
+      <p:grpSpPr>
+        <a:xfrm>
+          <a:off x="0" y="0"/>
+          <a:ext cx="0" cy="0"/>
+          <a:chOff x="0" y="0"/>
+          <a:chExt cx="0" cy="0"/>
+        </a:xfrm>
+      </p:grpSpPr>
+      <p:sp>
+        <p:nvSpPr>
+          <p:cNvPr id="2" name="Título 1"/>
+          <p:cNvSpPr>
+            <a:spLocks noGrp="1"/>
+          </p:cNvSpPr>
+          <p:nvPr>
+            <p:ph type="title"/>
+          </p:nvPr>
+        </p:nvSpPr>
+        <p:spPr>
+          <a:xfrm>
+            <a:off x="245835" y="372762"/>
+            <a:ext cx="11449318" cy="5054641"/>
+          </a:xfrm>
+        </p:spPr>
+        <p:txBody>
+          <a:bodyPr>
+            <a:noAutofit/>
+          </a:bodyPr>
+          <a:lstStyle/>
+          <a:p>
+            <a:pPr algn="ctr"/>
+            <a:br>
+              <a:rPr lang="pt-BR" sz="9600" b="1" dirty="0">
+                <a:latin typeface="Arial Black" panose="020B0A04020102090204" pitchFamily="34" charset="0"/>
+                <a:cs typeface="Aharoni" panose="02010803020104030203" pitchFamily="2" charset="-79"/>
+              </a:rPr>
+            </a:br>
+            <a:r>
+              <a:rPr lang="pt-BR" sz="9600" b="1" dirty="0">
+                <a:latin typeface="Arial Black" panose="020B0A04020102090204" pitchFamily="34" charset="0"/>
+                <a:cs typeface="Aharoni" panose="02010803020104030203" pitchFamily="2" charset="-79"/>
+              </a:rPr>
+              <a:t>LEVANTAMOS NOSSAS MÃOS</a:t>
+            </a:r>
+            <a:br>
+              <a:rPr lang="pt-BR" sz="9600" b="1" dirty="0">
+                <a:latin typeface="Arial Black" panose="020B0A04020102090204" pitchFamily="34" charset="0"/>
+                <a:cs typeface="Aharoni" panose="02010803020104030203" pitchFamily="2" charset="-79"/>
+              </a:rPr>
+            </a:br>
+            <a:r>
+              <a:rPr lang="pt-BR" sz="9600" b="1" dirty="0">
+                <a:latin typeface="Arial Black" panose="020B0A04020102090204" pitchFamily="34" charset="0"/>
+                <a:cs typeface="Aharoni" panose="02010803020104030203" pitchFamily="2" charset="-79"/>
+              </a:rPr>
+              <a:t>PRA TEU NOME EXALTAR</a:t>
+            </a:r>
+          </a:p>
+        </p:txBody>
+      </p:sp>
+    </p:spTree>
+    <p:extLst>
+      <p:ext uri="{BB962C8B-B14F-4D97-AF65-F5344CB8AC3E}">
+        <p14:creationId xmlns:p14="http://schemas.microsoft.com/office/powerpoint/2010/main" val="1773414361"/>
+      </p:ext>
+    </p:extLst>
+  </p:cSld>
+  <p:clrMapOvr>
+    <a:masterClrMapping/>
+  </p:clrMapOvr>
+  <mc:AlternateContent xmlns:mc="http://schemas.openxmlformats.org/markup-compatibility/2006">
+    <mc:Choice xmlns:p14="http://schemas.microsoft.com/office/powerpoint/2010/main" Requires="p14">
+      <p:transition spd="med" p14:dur="700">
+        <p:fade/>
+      </p:transition>
+    </mc:Choice>
+    <mc:Fallback>
+      <p:transition spd="med">
+        <p:fade/>
+      </p:transition>
+    </mc:Fallback>
+  </mc:AlternateContent>
+</p:sld>
+</file>
+
+<file path=ppt/slides/slide12.xml><?xml version="1.0" encoding="utf-8"?>
+<p:sld xmlns:a="http://schemas.openxmlformats.org/drawingml/2006/main" xmlns:r="http://schemas.openxmlformats.org/officeDocument/2006/relationships" xmlns:p="http://schemas.openxmlformats.org/presentationml/2006/main">
+  <p:cSld>
+    <p:bg>
+      <p:bgPr>
+        <a:blipFill dpi="0" rotWithShape="1">
+          <a:blip r:embed="rId2">
+            <a:lum/>
+          </a:blip>
+          <a:srcRect/>
+          <a:stretch>
+            <a:fillRect/>
+          </a:stretch>
+        </a:blipFill>
+        <a:effectLst/>
+      </p:bgPr>
+    </p:bg>
+    <p:spTree>
+      <p:nvGrpSpPr>
+        <p:cNvPr id="1" name=""/>
+        <p:cNvGrpSpPr/>
+        <p:nvPr/>
+      </p:nvGrpSpPr>
+      <p:grpSpPr>
+        <a:xfrm>
+          <a:off x="0" y="0"/>
+          <a:ext cx="0" cy="0"/>
+          <a:chOff x="0" y="0"/>
+          <a:chExt cx="0" cy="0"/>
+        </a:xfrm>
+      </p:grpSpPr>
+      <p:sp>
+        <p:nvSpPr>
+          <p:cNvPr id="2" name="Título 1"/>
+          <p:cNvSpPr>
+            <a:spLocks noGrp="1"/>
+          </p:cNvSpPr>
+          <p:nvPr>
+            <p:ph type="title"/>
+          </p:nvPr>
+        </p:nvSpPr>
+        <p:spPr>
+          <a:xfrm>
+            <a:off x="371341" y="1524531"/>
+            <a:ext cx="11449318" cy="5054641"/>
+          </a:xfrm>
+        </p:spPr>
+        <p:txBody>
+          <a:bodyPr>
+            <a:noAutofit/>
+          </a:bodyPr>
+          <a:lstStyle/>
+          <a:p>
+            <a:pPr algn="ctr"/>
+            <a:r>
+              <a:rPr lang="pt-BR" sz="9600" b="1" dirty="0">
+                <a:latin typeface="Arial Black" panose="020B0A04020102090204" pitchFamily="34" charset="0"/>
+                <a:cs typeface="Aharoni" panose="02010803020104030203" pitchFamily="2" charset="-79"/>
+              </a:rPr>
+              <a:t>DIGNO ÉS DE GLÓRIA</a:t>
+            </a:r>
+            <a:br>
+              <a:rPr lang="pt-BR" sz="9600" b="1" dirty="0">
+                <a:latin typeface="Arial Black" panose="020B0A04020102090204" pitchFamily="34" charset="0"/>
+                <a:cs typeface="Aharoni" panose="02010803020104030203" pitchFamily="2" charset="-79"/>
+              </a:rPr>
+            </a:br>
+            <a:r>
+              <a:rPr lang="pt-BR" sz="9600" b="1" dirty="0">
+                <a:latin typeface="Arial Black" panose="020B0A04020102090204" pitchFamily="34" charset="0"/>
+                <a:cs typeface="Aharoni" panose="02010803020104030203" pitchFamily="2" charset="-79"/>
+              </a:rPr>
+              <a:t>E HONRA</a:t>
+            </a:r>
+            <a:br>
+              <a:rPr lang="pt-BR" sz="9600" b="1" dirty="0">
+                <a:latin typeface="Arial Black" panose="020B0A04020102090204" pitchFamily="34" charset="0"/>
+                <a:cs typeface="Aharoni" panose="02010803020104030203" pitchFamily="2" charset="-79"/>
+              </a:rPr>
+            </a:br>
+            <a:endParaRPr lang="pt-BR" sz="9600" b="1" dirty="0">
+              <a:latin typeface="Arial Black" panose="020B0A04020102090204" pitchFamily="34" charset="0"/>
+              <a:cs typeface="Aharoni" panose="02010803020104030203" pitchFamily="2" charset="-79"/>
+            </a:endParaRPr>
+          </a:p>
+        </p:txBody>
+      </p:sp>
+    </p:spTree>
+    <p:extLst>
+      <p:ext uri="{BB962C8B-B14F-4D97-AF65-F5344CB8AC3E}">
+        <p14:creationId xmlns:p14="http://schemas.microsoft.com/office/powerpoint/2010/main" val="2054244638"/>
+      </p:ext>
+    </p:extLst>
+  </p:cSld>
+  <p:clrMapOvr>
+    <a:masterClrMapping/>
+  </p:clrMapOvr>
+  <mc:AlternateContent xmlns:mc="http://schemas.openxmlformats.org/markup-compatibility/2006">
+    <mc:Choice xmlns:p14="http://schemas.microsoft.com/office/powerpoint/2010/main" Requires="p14">
+      <p:transition spd="med" p14:dur="700">
+        <p:fade/>
+      </p:transition>
+    </mc:Choice>
+    <mc:Fallback>
+      <p:transition spd="med">
+        <p:fade/>
+      </p:transition>
+    </mc:Fallback>
+  </mc:AlternateContent>
+</p:sld>
+</file>
+
+<file path=ppt/slides/slide13.xml><?xml version="1.0" encoding="utf-8"?>
+<p:sld xmlns:a="http://schemas.openxmlformats.org/drawingml/2006/main" xmlns:r="http://schemas.openxmlformats.org/officeDocument/2006/relationships" xmlns:p="http://schemas.openxmlformats.org/presentationml/2006/main">
+  <p:cSld>
+    <p:bg>
+      <p:bgPr>
+        <a:blipFill dpi="0" rotWithShape="1">
+          <a:blip r:embed="rId2">
+            <a:lum/>
+          </a:blip>
+          <a:srcRect/>
+          <a:stretch>
+            <a:fillRect/>
+          </a:stretch>
+        </a:blipFill>
+        <a:effectLst/>
+      </p:bgPr>
+    </p:bg>
+    <p:spTree>
+      <p:nvGrpSpPr>
+        <p:cNvPr id="1" name=""/>
+        <p:cNvGrpSpPr/>
+        <p:nvPr/>
+      </p:nvGrpSpPr>
+      <p:grpSpPr>
+        <a:xfrm>
+          <a:off x="0" y="0"/>
+          <a:ext cx="0" cy="0"/>
+          <a:chOff x="0" y="0"/>
+          <a:chExt cx="0" cy="0"/>
+        </a:xfrm>
+      </p:grpSpPr>
+      <p:sp>
+        <p:nvSpPr>
+          <p:cNvPr id="2" name="Título 1"/>
+          <p:cNvSpPr>
+            <a:spLocks noGrp="1"/>
+          </p:cNvSpPr>
+          <p:nvPr>
+            <p:ph type="title"/>
+          </p:nvPr>
+        </p:nvSpPr>
+        <p:spPr>
+          <a:xfrm>
+            <a:off x="245835" y="372762"/>
+            <a:ext cx="11449318" cy="5054641"/>
+          </a:xfrm>
+        </p:spPr>
+        <p:txBody>
+          <a:bodyPr>
+            <a:noAutofit/>
+          </a:bodyPr>
+          <a:lstStyle/>
+          <a:p>
+            <a:pPr algn="ctr"/>
+            <a:br>
+              <a:rPr lang="pt-BR" sz="9600" b="1" dirty="0">
+                <a:latin typeface="Arial Black" panose="020B0A04020102090204" pitchFamily="34" charset="0"/>
+                <a:cs typeface="Aharoni" panose="02010803020104030203" pitchFamily="2" charset="-79"/>
+              </a:rPr>
+            </a:br>
+            <a:r>
+              <a:rPr lang="pt-BR" sz="9600" b="1" dirty="0">
+                <a:latin typeface="Arial Black" panose="020B0A04020102090204" pitchFamily="34" charset="0"/>
+                <a:cs typeface="Aharoni" panose="02010803020104030203" pitchFamily="2" charset="-79"/>
+              </a:rPr>
+              <a:t>LEVANTAMOS NOSSAS MÃOS</a:t>
+            </a:r>
+            <a:br>
+              <a:rPr lang="pt-BR" sz="9600" b="1" dirty="0">
+                <a:latin typeface="Arial Black" panose="020B0A04020102090204" pitchFamily="34" charset="0"/>
+                <a:cs typeface="Aharoni" panose="02010803020104030203" pitchFamily="2" charset="-79"/>
+              </a:rPr>
+            </a:br>
+            <a:r>
+              <a:rPr lang="pt-BR" sz="9600" b="1" dirty="0">
+                <a:latin typeface="Arial Black" panose="020B0A04020102090204" pitchFamily="34" charset="0"/>
+                <a:cs typeface="Aharoni" panose="02010803020104030203" pitchFamily="2" charset="-79"/>
+              </a:rPr>
+              <a:t>PRA TEU NOME EXALTAR</a:t>
+            </a:r>
+          </a:p>
+        </p:txBody>
+      </p:sp>
+    </p:spTree>
+    <p:extLst>
+      <p:ext uri="{BB962C8B-B14F-4D97-AF65-F5344CB8AC3E}">
+        <p14:creationId xmlns:p14="http://schemas.microsoft.com/office/powerpoint/2010/main" val="913385722"/>
+      </p:ext>
+    </p:extLst>
+  </p:cSld>
+  <p:clrMapOvr>
+    <a:masterClrMapping/>
+  </p:clrMapOvr>
+  <mc:AlternateContent xmlns:mc="http://schemas.openxmlformats.org/markup-compatibility/2006">
+    <mc:Choice xmlns:p14="http://schemas.microsoft.com/office/powerpoint/2010/main" Requires="p14">
+      <p:transition spd="med" p14:dur="700">
+        <p:fade/>
+      </p:transition>
+    </mc:Choice>
+    <mc:Fallback>
+      <p:transition spd="med">
+        <p:fade/>
+      </p:transition>
+    </mc:Fallback>
+  </mc:AlternateContent>
+</p:sld>
+</file>
+
+<file path=ppt/slides/slide14.xml><?xml version="1.0" encoding="utf-8"?>
+<p:sld xmlns:a="http://schemas.openxmlformats.org/drawingml/2006/main" xmlns:r="http://schemas.openxmlformats.org/officeDocument/2006/relationships" xmlns:p="http://schemas.openxmlformats.org/presentationml/2006/main">
+  <p:cSld>
+    <p:bg>
+      <p:bgPr>
+        <a:blipFill dpi="0" rotWithShape="1">
+          <a:blip r:embed="rId2">
+            <a:lum/>
+          </a:blip>
+          <a:srcRect/>
+          <a:stretch>
+            <a:fillRect/>
+          </a:stretch>
+        </a:blipFill>
+        <a:effectLst/>
+      </p:bgPr>
+    </p:bg>
+    <p:spTree>
+      <p:nvGrpSpPr>
+        <p:cNvPr id="1" name=""/>
+        <p:cNvGrpSpPr/>
+        <p:nvPr/>
+      </p:nvGrpSpPr>
+      <p:grpSpPr>
+        <a:xfrm>
+          <a:off x="0" y="0"/>
+          <a:ext cx="0" cy="0"/>
+          <a:chOff x="0" y="0"/>
+          <a:chExt cx="0" cy="0"/>
+        </a:xfrm>
+      </p:grpSpPr>
+      <p:sp>
+        <p:nvSpPr>
+          <p:cNvPr id="2" name="Título 1"/>
+          <p:cNvSpPr>
+            <a:spLocks noGrp="1"/>
+          </p:cNvSpPr>
+          <p:nvPr>
+            <p:ph type="title"/>
+          </p:nvPr>
+        </p:nvSpPr>
+        <p:spPr>
+          <a:xfrm>
+            <a:off x="371341" y="1100462"/>
+            <a:ext cx="11449318" cy="5054641"/>
+          </a:xfrm>
+        </p:spPr>
+        <p:txBody>
+          <a:bodyPr>
+            <a:noAutofit/>
+          </a:bodyPr>
+          <a:lstStyle/>
+          <a:p>
+            <a:pPr algn="ctr"/>
+            <a:r>
+              <a:rPr lang="pt-BR" sz="9600" b="1" dirty="0">
+                <a:latin typeface="Arial Black" panose="020B0A04020102090204" pitchFamily="34" charset="0"/>
+                <a:cs typeface="Aharoni" panose="02010803020104030203" pitchFamily="2" charset="-79"/>
+              </a:rPr>
+              <a:t>POR QUE GRANDE ÉS TU</a:t>
+            </a:r>
+            <a:br>
+              <a:rPr lang="pt-BR" sz="9600" b="1" dirty="0">
+                <a:latin typeface="Arial Black" panose="020B0A04020102090204" pitchFamily="34" charset="0"/>
+                <a:cs typeface="Aharoni" panose="02010803020104030203" pitchFamily="2" charset="-79"/>
+              </a:rPr>
+            </a:br>
+            <a:r>
+              <a:rPr lang="pt-BR" sz="9600" b="1" dirty="0">
+                <a:latin typeface="Arial Black" panose="020B0A04020102090204" pitchFamily="34" charset="0"/>
+                <a:cs typeface="Aharoni" panose="02010803020104030203" pitchFamily="2" charset="-79"/>
+              </a:rPr>
+              <a:t>MARAVILHAS FAZES TU</a:t>
+            </a:r>
+          </a:p>
+        </p:txBody>
+      </p:sp>
+    </p:spTree>
+    <p:extLst>
+      <p:ext uri="{BB962C8B-B14F-4D97-AF65-F5344CB8AC3E}">
+        <p14:creationId xmlns:p14="http://schemas.microsoft.com/office/powerpoint/2010/main" val="1943943888"/>
+      </p:ext>
+    </p:extLst>
+  </p:cSld>
+  <p:clrMapOvr>
+    <a:masterClrMapping/>
+  </p:clrMapOvr>
+  <mc:AlternateContent xmlns:mc="http://schemas.openxmlformats.org/markup-compatibility/2006">
+    <mc:Choice xmlns:p14="http://schemas.microsoft.com/office/powerpoint/2010/main" Requires="p14">
+      <p:transition spd="med" p14:dur="700">
+        <p:fade/>
+      </p:transition>
+    </mc:Choice>
+    <mc:Fallback>
+      <p:transition spd="med">
+        <p:fade/>
+      </p:transition>
+    </mc:Fallback>
+  </mc:AlternateContent>
+</p:sld>
+</file>
+
+<file path=ppt/slides/slide15.xml><?xml version="1.0" encoding="utf-8"?>
+<p:sld xmlns:a="http://schemas.openxmlformats.org/drawingml/2006/main" xmlns:r="http://schemas.openxmlformats.org/officeDocument/2006/relationships" xmlns:p="http://schemas.openxmlformats.org/presentationml/2006/main">
+  <p:cSld>
+    <p:bg>
+      <p:bgPr>
+        <a:blipFill dpi="0" rotWithShape="1">
+          <a:blip r:embed="rId2">
+            <a:lum/>
+          </a:blip>
+          <a:srcRect/>
+          <a:stretch>
+            <a:fillRect/>
+          </a:stretch>
+        </a:blipFill>
+        <a:effectLst/>
+      </p:bgPr>
+    </p:bg>
+    <p:spTree>
+      <p:nvGrpSpPr>
+        <p:cNvPr id="1" name=""/>
+        <p:cNvGrpSpPr/>
+        <p:nvPr/>
+      </p:nvGrpSpPr>
+      <p:grpSpPr>
+        <a:xfrm>
+          <a:off x="0" y="0"/>
+          <a:ext cx="0" cy="0"/>
+          <a:chOff x="0" y="0"/>
+          <a:chExt cx="0" cy="0"/>
+        </a:xfrm>
+      </p:grpSpPr>
+      <p:sp>
+        <p:nvSpPr>
+          <p:cNvPr id="2" name="Título 1"/>
+          <p:cNvSpPr>
+            <a:spLocks noGrp="1"/>
+          </p:cNvSpPr>
+          <p:nvPr>
+            <p:ph type="title"/>
+          </p:nvPr>
+        </p:nvSpPr>
+        <p:spPr>
+          <a:xfrm>
+            <a:off x="587189" y="116541"/>
+            <a:ext cx="10874188" cy="6741459"/>
+          </a:xfrm>
+        </p:spPr>
+        <p:txBody>
+          <a:bodyPr>
+            <a:noAutofit/>
+          </a:bodyPr>
+          <a:lstStyle/>
+          <a:p>
+            <a:pPr algn="ctr">
+              <a:lnSpc>
+                <a:spcPct val="100000"/>
+              </a:lnSpc>
+            </a:pPr>
+            <a:r>
+              <a:rPr lang="pt-BR" sz="8800" b="1" dirty="0">
+                <a:latin typeface="Arial Black" panose="020B0A04020102090204" pitchFamily="34" charset="0"/>
+                <a:cs typeface="Aharoni" panose="02010803020104030203" pitchFamily="2" charset="-79"/>
+              </a:rPr>
+              <a:t>NÃO HÁ OUTRO IGUAL A TI </a:t>
+            </a:r>
+            <a:br>
+              <a:rPr lang="pt-BR" sz="8800" b="1" dirty="0">
+                <a:latin typeface="Arial Black" panose="020B0A04020102090204" pitchFamily="34" charset="0"/>
+                <a:cs typeface="Aharoni" panose="02010803020104030203" pitchFamily="2" charset="-79"/>
+              </a:rPr>
+            </a:br>
+            <a:r>
+              <a:rPr lang="pt-BR" sz="8800" b="1" dirty="0">
+                <a:latin typeface="Arial Black" panose="020B0A04020102090204" pitchFamily="34" charset="0"/>
+                <a:cs typeface="Aharoni" panose="02010803020104030203" pitchFamily="2" charset="-79"/>
+              </a:rPr>
+              <a:t>NÃO, NÃO HÁ</a:t>
+            </a:r>
+            <a:br>
+              <a:rPr lang="pt-BR" sz="8800" b="1" dirty="0">
+                <a:latin typeface="Arial Black" panose="020B0A04020102090204" pitchFamily="34" charset="0"/>
+                <a:cs typeface="Aharoni" panose="02010803020104030203" pitchFamily="2" charset="-79"/>
+              </a:rPr>
+            </a:br>
+            <a:r>
+              <a:rPr lang="pt-BR" sz="8800" b="1" dirty="0">
+                <a:latin typeface="Arial Black" panose="020B0A04020102090204" pitchFamily="34" charset="0"/>
+                <a:cs typeface="Aharoni" panose="02010803020104030203" pitchFamily="2" charset="-79"/>
+              </a:rPr>
+              <a:t>NÃO HÁ OUTRO IGUAL A TI</a:t>
+            </a:r>
+          </a:p>
+        </p:txBody>
+      </p:sp>
+    </p:spTree>
+    <p:extLst>
+      <p:ext uri="{BB962C8B-B14F-4D97-AF65-F5344CB8AC3E}">
+        <p14:creationId xmlns:p14="http://schemas.microsoft.com/office/powerpoint/2010/main" val="2023061608"/>
+      </p:ext>
+    </p:extLst>
+  </p:cSld>
+  <p:clrMapOvr>
+    <a:masterClrMapping/>
+  </p:clrMapOvr>
+  <mc:AlternateContent xmlns:mc="http://schemas.openxmlformats.org/markup-compatibility/2006">
+    <mc:Choice xmlns:p14="http://schemas.microsoft.com/office/powerpoint/2010/main" Requires="p14">
+      <p:transition spd="med" p14:dur="700">
+        <p:fade/>
+      </p:transition>
+    </mc:Choice>
+    <mc:Fallback>
+      <p:transition spd="med">
+        <p:fade/>
+      </p:transition>
+    </mc:Fallback>
+  </mc:AlternateContent>
+</p:sld>
+</file>
+
+<file path=ppt/slides/slide16.xml><?xml version="1.0" encoding="utf-8"?>
+<p:sld xmlns:a="http://schemas.openxmlformats.org/drawingml/2006/main" xmlns:r="http://schemas.openxmlformats.org/officeDocument/2006/relationships" xmlns:p="http://schemas.openxmlformats.org/presentationml/2006/main">
+  <p:cSld>
+    <p:bg>
+      <p:bgPr>
+        <a:blipFill dpi="0" rotWithShape="1">
+          <a:blip r:embed="rId2">
+            <a:lum/>
+          </a:blip>
+          <a:srcRect/>
+          <a:stretch>
+            <a:fillRect/>
+          </a:stretch>
+        </a:blipFill>
+        <a:effectLst/>
+      </p:bgPr>
+    </p:bg>
+    <p:spTree>
+      <p:nvGrpSpPr>
+        <p:cNvPr id="1" name=""/>
+        <p:cNvGrpSpPr/>
+        <p:nvPr/>
+      </p:nvGrpSpPr>
+      <p:grpSpPr>
+        <a:xfrm>
+          <a:off x="0" y="0"/>
+          <a:ext cx="0" cy="0"/>
+          <a:chOff x="0" y="0"/>
+          <a:chExt cx="0" cy="0"/>
+        </a:xfrm>
+      </p:grpSpPr>
+      <p:sp>
+        <p:nvSpPr>
+          <p:cNvPr id="2" name="Título 1"/>
+          <p:cNvSpPr>
+            <a:spLocks noGrp="1"/>
+          </p:cNvSpPr>
+          <p:nvPr>
+            <p:ph type="title"/>
+          </p:nvPr>
+        </p:nvSpPr>
+        <p:spPr>
+          <a:xfrm>
+            <a:off x="371341" y="1100462"/>
+            <a:ext cx="11449318" cy="5054641"/>
+          </a:xfrm>
+        </p:spPr>
+        <p:txBody>
+          <a:bodyPr>
+            <a:noAutofit/>
+          </a:bodyPr>
+          <a:lstStyle/>
+          <a:p>
+            <a:pPr algn="ctr"/>
+            <a:r>
+              <a:rPr lang="pt-BR" sz="9600" b="1" dirty="0">
+                <a:latin typeface="Arial Black" panose="020B0A04020102090204" pitchFamily="34" charset="0"/>
+                <a:cs typeface="Aharoni" panose="02010803020104030203" pitchFamily="2" charset="-79"/>
+              </a:rPr>
+              <a:t>POR QUE GRANDE ÉS TU</a:t>
+            </a:r>
+            <a:br>
+              <a:rPr lang="pt-BR" sz="9600" b="1" dirty="0">
+                <a:latin typeface="Arial Black" panose="020B0A04020102090204" pitchFamily="34" charset="0"/>
+                <a:cs typeface="Aharoni" panose="02010803020104030203" pitchFamily="2" charset="-79"/>
+              </a:rPr>
+            </a:br>
+            <a:r>
+              <a:rPr lang="pt-BR" sz="9600" b="1" dirty="0">
+                <a:latin typeface="Arial Black" panose="020B0A04020102090204" pitchFamily="34" charset="0"/>
+                <a:cs typeface="Aharoni" panose="02010803020104030203" pitchFamily="2" charset="-79"/>
+              </a:rPr>
+              <a:t>MARAVILHAS FAZES TU</a:t>
+            </a:r>
+          </a:p>
+        </p:txBody>
+      </p:sp>
+    </p:spTree>
+    <p:extLst>
+      <p:ext uri="{BB962C8B-B14F-4D97-AF65-F5344CB8AC3E}">
+        <p14:creationId xmlns:p14="http://schemas.microsoft.com/office/powerpoint/2010/main" val="610267523"/>
+      </p:ext>
+    </p:extLst>
+  </p:cSld>
+  <p:clrMapOvr>
+    <a:masterClrMapping/>
+  </p:clrMapOvr>
+  <mc:AlternateContent xmlns:mc="http://schemas.openxmlformats.org/markup-compatibility/2006">
+    <mc:Choice xmlns:p14="http://schemas.microsoft.com/office/powerpoint/2010/main" Requires="p14">
+      <p:transition spd="med" p14:dur="700">
+        <p:fade/>
+      </p:transition>
+    </mc:Choice>
+    <mc:Fallback>
+      <p:transition spd="med">
+        <p:fade/>
+      </p:transition>
+    </mc:Fallback>
+  </mc:AlternateContent>
+</p:sld>
+</file>
+
+<file path=ppt/slides/slide17.xml><?xml version="1.0" encoding="utf-8"?>
+<p:sld xmlns:a="http://schemas.openxmlformats.org/drawingml/2006/main" xmlns:r="http://schemas.openxmlformats.org/officeDocument/2006/relationships" xmlns:p="http://schemas.openxmlformats.org/presentationml/2006/main">
+  <p:cSld>
+    <p:bg>
+      <p:bgPr>
+        <a:blipFill dpi="0" rotWithShape="1">
+          <a:blip r:embed="rId2">
+            <a:lum/>
+          </a:blip>
+          <a:srcRect/>
+          <a:stretch>
+            <a:fillRect/>
+          </a:stretch>
+        </a:blipFill>
+        <a:effectLst/>
+      </p:bgPr>
+    </p:bg>
+    <p:spTree>
+      <p:nvGrpSpPr>
+        <p:cNvPr id="1" name=""/>
+        <p:cNvGrpSpPr/>
+        <p:nvPr/>
+      </p:nvGrpSpPr>
+      <p:grpSpPr>
+        <a:xfrm>
+          <a:off x="0" y="0"/>
+          <a:ext cx="0" cy="0"/>
+          <a:chOff x="0" y="0"/>
+          <a:chExt cx="0" cy="0"/>
+        </a:xfrm>
+      </p:grpSpPr>
+      <p:sp>
+        <p:nvSpPr>
+          <p:cNvPr id="2" name="Título 1"/>
+          <p:cNvSpPr>
+            <a:spLocks noGrp="1"/>
+          </p:cNvSpPr>
+          <p:nvPr>
+            <p:ph type="title"/>
+          </p:nvPr>
+        </p:nvSpPr>
+        <p:spPr>
+          <a:xfrm>
+            <a:off x="587189" y="116541"/>
+            <a:ext cx="10874188" cy="6741459"/>
+          </a:xfrm>
+        </p:spPr>
+        <p:txBody>
+          <a:bodyPr>
+            <a:noAutofit/>
+          </a:bodyPr>
+          <a:lstStyle/>
+          <a:p>
+            <a:pPr algn="ctr">
+              <a:lnSpc>
+                <a:spcPct val="100000"/>
+              </a:lnSpc>
+            </a:pPr>
+            <a:r>
+              <a:rPr lang="pt-BR" sz="8800" b="1" dirty="0">
+                <a:latin typeface="Arial Black" panose="020B0A04020102090204" pitchFamily="34" charset="0"/>
+                <a:cs typeface="Aharoni" panose="02010803020104030203" pitchFamily="2" charset="-79"/>
+              </a:rPr>
+              <a:t>NÃO HÁ OUTRO IGUAL A TI </a:t>
+            </a:r>
+            <a:br>
+              <a:rPr lang="pt-BR" sz="8800" b="1" dirty="0">
+                <a:latin typeface="Arial Black" panose="020B0A04020102090204" pitchFamily="34" charset="0"/>
+                <a:cs typeface="Aharoni" panose="02010803020104030203" pitchFamily="2" charset="-79"/>
+              </a:rPr>
+            </a:br>
+            <a:r>
+              <a:rPr lang="pt-BR" sz="8800" b="1" dirty="0">
+                <a:latin typeface="Arial Black" panose="020B0A04020102090204" pitchFamily="34" charset="0"/>
+                <a:cs typeface="Aharoni" panose="02010803020104030203" pitchFamily="2" charset="-79"/>
+              </a:rPr>
+              <a:t>NÃO, NÃO HÁ</a:t>
+            </a:r>
+            <a:br>
+              <a:rPr lang="pt-BR" sz="8800" b="1" dirty="0">
+                <a:latin typeface="Arial Black" panose="020B0A04020102090204" pitchFamily="34" charset="0"/>
+                <a:cs typeface="Aharoni" panose="02010803020104030203" pitchFamily="2" charset="-79"/>
+              </a:rPr>
+            </a:br>
+            <a:r>
+              <a:rPr lang="pt-BR" sz="8800" b="1" dirty="0">
+                <a:latin typeface="Arial Black" panose="020B0A04020102090204" pitchFamily="34" charset="0"/>
+                <a:cs typeface="Aharoni" panose="02010803020104030203" pitchFamily="2" charset="-79"/>
+              </a:rPr>
+              <a:t>NÃO HÁ OUTRO IGUAL A TI</a:t>
+            </a:r>
+          </a:p>
+        </p:txBody>
+      </p:sp>
+    </p:spTree>
+    <p:extLst>
+      <p:ext uri="{BB962C8B-B14F-4D97-AF65-F5344CB8AC3E}">
+        <p14:creationId xmlns:p14="http://schemas.microsoft.com/office/powerpoint/2010/main" val="1526637255"/>
+      </p:ext>
+    </p:extLst>
+  </p:cSld>
+  <p:clrMapOvr>
+    <a:masterClrMapping/>
+  </p:clrMapOvr>
+  <mc:AlternateContent xmlns:mc="http://schemas.openxmlformats.org/markup-compatibility/2006">
+    <mc:Choice xmlns:p14="http://schemas.microsoft.com/office/powerpoint/2010/main" Requires="p14">
+      <p:transition spd="med" p14:dur="700">
+        <p:fade/>
+      </p:transition>
+    </mc:Choice>
+    <mc:Fallback>
       <p:transition spd="med">
         <p:fade/>
       </p:transition>
@@ -4121,9 +5028,6 @@
             <a:pPr algn="ctr"/>
             <a:r>
               <a:rPr lang="pt-BR" sz="9600" b="1" dirty="0">
-                <a:solidFill>
-                  <a:schemeClr val="tx2"/>
-                </a:solidFill>
                 <a:latin typeface="Arial Black" panose="020B0A04020102090204" pitchFamily="34" charset="0"/>
                 <a:cs typeface="Aharoni" panose="02010803020104030203" pitchFamily="2" charset="-79"/>
               </a:rPr>
@@ -4131,18 +5035,12 @@
             </a:r>
             <a:br>
               <a:rPr lang="pt-BR" sz="9600" b="1" dirty="0">
-                <a:solidFill>
-                  <a:schemeClr val="tx2"/>
-                </a:solidFill>
                 <a:latin typeface="Arial Black" panose="020B0A04020102090204" pitchFamily="34" charset="0"/>
                 <a:cs typeface="Aharoni" panose="02010803020104030203" pitchFamily="2" charset="-79"/>
               </a:rPr>
             </a:br>
             <a:r>
               <a:rPr lang="pt-BR" sz="9600" b="1" dirty="0">
-                <a:solidFill>
-                  <a:schemeClr val="tx2"/>
-                </a:solidFill>
                 <a:latin typeface="Arial Black" panose="020B0A04020102090204" pitchFamily="34" charset="0"/>
                 <a:cs typeface="Aharoni" panose="02010803020104030203" pitchFamily="2" charset="-79"/>
               </a:rPr>
@@ -4150,17 +5048,11 @@
             </a:r>
             <a:br>
               <a:rPr lang="pt-BR" sz="9600" b="1" dirty="0">
-                <a:solidFill>
-                  <a:schemeClr val="tx2"/>
-                </a:solidFill>
                 <a:latin typeface="Arial Black" panose="020B0A04020102090204" pitchFamily="34" charset="0"/>
                 <a:cs typeface="Aharoni" panose="02010803020104030203" pitchFamily="2" charset="-79"/>
               </a:rPr>
             </a:br>
             <a:endParaRPr lang="pt-BR" sz="9600" b="1" dirty="0">
-              <a:solidFill>
-                <a:schemeClr val="tx2"/>
-              </a:solidFill>
               <a:latin typeface="Arial Black" panose="020B0A04020102090204" pitchFamily="34" charset="0"/>
               <a:cs typeface="Aharoni" panose="02010803020104030203" pitchFamily="2" charset="-79"/>
             </a:endParaRPr>
@@ -4235,7 +5127,7 @@
         </p:nvSpPr>
         <p:spPr>
           <a:xfrm>
-            <a:off x="371341" y="901679"/>
+            <a:off x="245835" y="372762"/>
             <a:ext cx="11449318" cy="5054641"/>
           </a:xfrm>
         </p:spPr>
@@ -4248,37 +5140,25 @@
             <a:pPr algn="ctr"/>
             <a:br>
               <a:rPr lang="pt-BR" sz="9600" b="1" dirty="0">
-                <a:solidFill>
-                  <a:schemeClr val="tx2"/>
-                </a:solidFill>
                 <a:latin typeface="Arial Black" panose="020B0A04020102090204" pitchFamily="34" charset="0"/>
                 <a:cs typeface="Aharoni" panose="02010803020104030203" pitchFamily="2" charset="-79"/>
               </a:rPr>
             </a:br>
             <a:r>
               <a:rPr lang="pt-BR" sz="9600" b="1" dirty="0">
-                <a:solidFill>
-                  <a:schemeClr val="tx2"/>
-                </a:solidFill>
                 <a:latin typeface="Arial Black" panose="020B0A04020102090204" pitchFamily="34" charset="0"/>
                 <a:cs typeface="Aharoni" panose="02010803020104030203" pitchFamily="2" charset="-79"/>
               </a:rPr>
-              <a:t>LEVANTEMOS NOSSAS MÃOS</a:t>
+              <a:t>LEVANTAMOS NOSSAS MÃOS</a:t>
             </a:r>
             <a:br>
               <a:rPr lang="pt-BR" sz="9600" b="1" dirty="0">
-                <a:solidFill>
-                  <a:schemeClr val="tx2"/>
-                </a:solidFill>
                 <a:latin typeface="Arial Black" panose="020B0A04020102090204" pitchFamily="34" charset="0"/>
                 <a:cs typeface="Aharoni" panose="02010803020104030203" pitchFamily="2" charset="-79"/>
               </a:rPr>
             </a:br>
             <a:r>
               <a:rPr lang="pt-BR" sz="9600" b="1" dirty="0">
-                <a:solidFill>
-                  <a:schemeClr val="tx2"/>
-                </a:solidFill>
                 <a:latin typeface="Arial Black" panose="020B0A04020102090204" pitchFamily="34" charset="0"/>
                 <a:cs typeface="Aharoni" panose="02010803020104030203" pitchFamily="2" charset="-79"/>
               </a:rPr>
@@ -4355,7 +5235,7 @@
         </p:nvSpPr>
         <p:spPr>
           <a:xfrm>
-            <a:off x="371341" y="1100462"/>
+            <a:off x="371341" y="1524531"/>
             <a:ext cx="11449318" cy="5054641"/>
           </a:xfrm>
         </p:spPr>
@@ -4368,53 +5248,54 @@
             <a:pPr algn="ctr"/>
             <a:r>
               <a:rPr lang="pt-BR" sz="9600" b="1" dirty="0">
-                <a:solidFill>
-                  <a:schemeClr val="tx2"/>
-                </a:solidFill>
                 <a:latin typeface="Arial Black" panose="020B0A04020102090204" pitchFamily="34" charset="0"/>
                 <a:cs typeface="Aharoni" panose="02010803020104030203" pitchFamily="2" charset="-79"/>
               </a:rPr>
-              <a:t>POR QUE GRANDE ÉS TU</a:t>
+              <a:t>DIGNO ÉS DE GLÓRIA</a:t>
             </a:r>
             <a:br>
               <a:rPr lang="pt-BR" sz="9600" b="1" dirty="0">
-                <a:solidFill>
-                  <a:schemeClr val="tx2"/>
-                </a:solidFill>
                 <a:latin typeface="Arial Black" panose="020B0A04020102090204" pitchFamily="34" charset="0"/>
                 <a:cs typeface="Aharoni" panose="02010803020104030203" pitchFamily="2" charset="-79"/>
               </a:rPr>
             </a:br>
             <a:r>
               <a:rPr lang="pt-BR" sz="9600" b="1" dirty="0">
-                <a:solidFill>
-                  <a:schemeClr val="tx2"/>
-                </a:solidFill>
                 <a:latin typeface="Arial Black" panose="020B0A04020102090204" pitchFamily="34" charset="0"/>
                 <a:cs typeface="Aharoni" panose="02010803020104030203" pitchFamily="2" charset="-79"/>
               </a:rPr>
-              <a:t>MARAVILHAS FAZES TU</a:t>
-            </a:r>
+              <a:t>E HONRA</a:t>
+            </a:r>
+            <a:br>
+              <a:rPr lang="pt-BR" sz="9600" b="1" dirty="0">
+                <a:latin typeface="Arial Black" panose="020B0A04020102090204" pitchFamily="34" charset="0"/>
+                <a:cs typeface="Aharoni" panose="02010803020104030203" pitchFamily="2" charset="-79"/>
+              </a:rPr>
+            </a:br>
+            <a:endParaRPr lang="pt-BR" sz="9600" b="1" dirty="0">
+              <a:latin typeface="Arial Black" panose="020B0A04020102090204" pitchFamily="34" charset="0"/>
+              <a:cs typeface="Aharoni" panose="02010803020104030203" pitchFamily="2" charset="-79"/>
+            </a:endParaRPr>
           </a:p>
         </p:txBody>
       </p:sp>
     </p:spTree>
     <p:extLst>
       <p:ext uri="{BB962C8B-B14F-4D97-AF65-F5344CB8AC3E}">
-        <p14:creationId xmlns:p14="http://schemas.microsoft.com/office/powerpoint/2010/main" val="1086433535"/>
+        <p14:creationId xmlns:p14="http://schemas.microsoft.com/office/powerpoint/2010/main" val="2920286907"/>
       </p:ext>
     </p:extLst>
   </p:cSld>
   <p:clrMapOvr>
     <a:masterClrMapping/>
   </p:clrMapOvr>
-  <mc:AlternateContent xmlns:mc="http://schemas.openxmlformats.org/markup-compatibility/2006" xmlns:p14="http://schemas.microsoft.com/office/powerpoint/2010/main">
-    <mc:Choice Requires="p14">
+  <mc:AlternateContent xmlns:mc="http://schemas.openxmlformats.org/markup-compatibility/2006">
+    <mc:Choice xmlns:p14="http://schemas.microsoft.com/office/powerpoint/2010/main" Requires="p14">
       <p:transition spd="med" p14:dur="700">
         <p:fade/>
       </p:transition>
     </mc:Choice>
-    <mc:Fallback xmlns:c="http://schemas.openxmlformats.org/drawingml/2006/chart" xmlns:dgm="http://schemas.openxmlformats.org/drawingml/2006/diagram" xmlns:cdr="http://schemas.openxmlformats.org/drawingml/2006/chartDrawing" xmlns:wne="http://schemas.microsoft.com/office/powerpoint/2006/powerpointml" xmlns:wp="http://schemas.openxmlformats.org/drawingml/2006/powerpointprocessingDrawing" xmlns:v="urn:schemas-microsoft-com:vml" xmlns:o="urn:schemas-microsoft-com:office:office" xmlns="">
+    <mc:Fallback>
       <p:transition spd="med">
         <p:fade/>
       </p:transition>
@@ -4466,7 +5347,7 @@
         </p:nvSpPr>
         <p:spPr>
           <a:xfrm>
-            <a:off x="371341" y="0"/>
+            <a:off x="254800" y="372762"/>
             <a:ext cx="11449318" cy="5054641"/>
           </a:xfrm>
         </p:spPr>
@@ -4479,22 +5360,29 @@
             <a:pPr algn="ctr"/>
             <a:br>
               <a:rPr lang="pt-BR" sz="9600" b="1" dirty="0">
-                <a:solidFill>
-                  <a:schemeClr val="tx2"/>
-                </a:solidFill>
                 <a:latin typeface="Arial Black" panose="020B0A04020102090204" pitchFamily="34" charset="0"/>
                 <a:cs typeface="Aharoni" panose="02010803020104030203" pitchFamily="2" charset="-79"/>
               </a:rPr>
             </a:br>
             <a:r>
               <a:rPr lang="pt-BR" sz="9600" b="1" dirty="0">
-                <a:solidFill>
-                  <a:schemeClr val="tx2"/>
-                </a:solidFill>
                 <a:latin typeface="Arial Black" panose="020B0A04020102090204" pitchFamily="34" charset="0"/>
                 <a:cs typeface="Aharoni" panose="02010803020104030203" pitchFamily="2" charset="-79"/>
               </a:rPr>
-              <a:t>NÃO HÁ OUTRO IGUAL A TI </a:t>
+              <a:t>LEVANTAMOS NOSSAS MÃOS</a:t>
+            </a:r>
+            <a:br>
+              <a:rPr lang="pt-BR" sz="9600" b="1" dirty="0">
+                <a:latin typeface="Arial Black" panose="020B0A04020102090204" pitchFamily="34" charset="0"/>
+                <a:cs typeface="Aharoni" panose="02010803020104030203" pitchFamily="2" charset="-79"/>
+              </a:rPr>
+            </a:br>
+            <a:r>
+              <a:rPr lang="pt-BR" sz="9600" b="1" dirty="0">
+                <a:latin typeface="Arial Black" panose="020B0A04020102090204" pitchFamily="34" charset="0"/>
+                <a:cs typeface="Aharoni" panose="02010803020104030203" pitchFamily="2" charset="-79"/>
+              </a:rPr>
+              <a:t>PRA TEU NOME EXALTAR</a:t>
             </a:r>
           </a:p>
         </p:txBody>
@@ -4502,20 +5390,20 @@
     </p:spTree>
     <p:extLst>
       <p:ext uri="{BB962C8B-B14F-4D97-AF65-F5344CB8AC3E}">
-        <p14:creationId xmlns:p14="http://schemas.microsoft.com/office/powerpoint/2010/main" val="4046828610"/>
+        <p14:creationId xmlns:p14="http://schemas.microsoft.com/office/powerpoint/2010/main" val="262891265"/>
       </p:ext>
     </p:extLst>
   </p:cSld>
   <p:clrMapOvr>
     <a:masterClrMapping/>
   </p:clrMapOvr>
-  <mc:AlternateContent xmlns:mc="http://schemas.openxmlformats.org/markup-compatibility/2006" xmlns:p14="http://schemas.microsoft.com/office/powerpoint/2010/main">
-    <mc:Choice Requires="p14">
+  <mc:AlternateContent xmlns:mc="http://schemas.openxmlformats.org/markup-compatibility/2006">
+    <mc:Choice xmlns:p14="http://schemas.microsoft.com/office/powerpoint/2010/main" Requires="p14">
       <p:transition spd="med" p14:dur="700">
         <p:fade/>
       </p:transition>
     </mc:Choice>
-    <mc:Fallback xmlns:c="http://schemas.openxmlformats.org/drawingml/2006/chart" xmlns:dgm="http://schemas.openxmlformats.org/drawingml/2006/diagram" xmlns:cdr="http://schemas.openxmlformats.org/drawingml/2006/chartDrawing" xmlns:wne="http://schemas.microsoft.com/office/powerpoint/2006/powerpointml" xmlns:wp="http://schemas.openxmlformats.org/drawingml/2006/powerpointprocessingDrawing" xmlns:v="urn:schemas-microsoft-com:vml" xmlns:o="urn:schemas-microsoft-com:office:office" xmlns="">
+    <mc:Fallback>
       <p:transition spd="med">
         <p:fade/>
       </p:transition>
@@ -4567,7 +5455,7 @@
         </p:nvSpPr>
         <p:spPr>
           <a:xfrm>
-            <a:off x="371341" y="656300"/>
+            <a:off x="371341" y="1100462"/>
             <a:ext cx="11449318" cy="5054641"/>
           </a:xfrm>
         </p:spPr>
@@ -4580,32 +5468,23 @@
             <a:pPr algn="ctr"/>
             <a:r>
               <a:rPr lang="pt-BR" sz="9600" b="1" dirty="0">
-                <a:solidFill>
-                  <a:schemeClr val="tx2"/>
-                </a:solidFill>
                 <a:latin typeface="Arial Black" panose="020B0A04020102090204" pitchFamily="34" charset="0"/>
                 <a:cs typeface="Aharoni" panose="02010803020104030203" pitchFamily="2" charset="-79"/>
               </a:rPr>
-              <a:t> NÃO, NÃO HÁ</a:t>
+              <a:t>POR QUE GRANDE ÉS TU</a:t>
             </a:r>
             <a:br>
               <a:rPr lang="pt-BR" sz="9600" b="1" dirty="0">
-                <a:solidFill>
-                  <a:schemeClr val="tx2"/>
-                </a:solidFill>
                 <a:latin typeface="Arial Black" panose="020B0A04020102090204" pitchFamily="34" charset="0"/>
                 <a:cs typeface="Aharoni" panose="02010803020104030203" pitchFamily="2" charset="-79"/>
               </a:rPr>
             </a:br>
             <a:r>
               <a:rPr lang="pt-BR" sz="9600" b="1" dirty="0">
-                <a:solidFill>
-                  <a:schemeClr val="tx2"/>
-                </a:solidFill>
                 <a:latin typeface="Arial Black" panose="020B0A04020102090204" pitchFamily="34" charset="0"/>
                 <a:cs typeface="Aharoni" panose="02010803020104030203" pitchFamily="2" charset="-79"/>
               </a:rPr>
-              <a:t>NÃO HÁ OUTRO IGUAL A TI</a:t>
+              <a:t>MARAVILHAS FAZES TU</a:t>
             </a:r>
           </a:p>
         </p:txBody>
@@ -4613,7 +5492,7 @@
     </p:spTree>
     <p:extLst>
       <p:ext uri="{BB962C8B-B14F-4D97-AF65-F5344CB8AC3E}">
-        <p14:creationId xmlns:p14="http://schemas.microsoft.com/office/powerpoint/2010/main" val="1164466311"/>
+        <p14:creationId xmlns:p14="http://schemas.microsoft.com/office/powerpoint/2010/main" val="1086433535"/>
       </p:ext>
     </p:extLst>
   </p:cSld>
@@ -4627,6 +5506,346 @@
       </p:transition>
     </mc:Choice>
     <mc:Fallback xmlns:c="http://schemas.openxmlformats.org/drawingml/2006/chart" xmlns:dgm="http://schemas.openxmlformats.org/drawingml/2006/diagram" xmlns:cdr="http://schemas.openxmlformats.org/drawingml/2006/chartDrawing" xmlns:wne="http://schemas.microsoft.com/office/powerpoint/2006/powerpointml" xmlns:wp="http://schemas.openxmlformats.org/drawingml/2006/powerpointprocessingDrawing" xmlns:v="urn:schemas-microsoft-com:vml" xmlns:o="urn:schemas-microsoft-com:office:office" xmlns="">
+      <p:transition spd="med">
+        <p:fade/>
+      </p:transition>
+    </mc:Fallback>
+  </mc:AlternateContent>
+</p:sld>
+</file>
+
+<file path=ppt/slides/slide7.xml><?xml version="1.0" encoding="utf-8"?>
+<p:sld xmlns:a="http://schemas.openxmlformats.org/drawingml/2006/main" xmlns:r="http://schemas.openxmlformats.org/officeDocument/2006/relationships" xmlns:p="http://schemas.openxmlformats.org/presentationml/2006/main">
+  <p:cSld>
+    <p:bg>
+      <p:bgPr>
+        <a:blipFill dpi="0" rotWithShape="1">
+          <a:blip r:embed="rId2">
+            <a:lum/>
+          </a:blip>
+          <a:srcRect/>
+          <a:stretch>
+            <a:fillRect/>
+          </a:stretch>
+        </a:blipFill>
+        <a:effectLst/>
+      </p:bgPr>
+    </p:bg>
+    <p:spTree>
+      <p:nvGrpSpPr>
+        <p:cNvPr id="1" name=""/>
+        <p:cNvGrpSpPr/>
+        <p:nvPr/>
+      </p:nvGrpSpPr>
+      <p:grpSpPr>
+        <a:xfrm>
+          <a:off x="0" y="0"/>
+          <a:ext cx="0" cy="0"/>
+          <a:chOff x="0" y="0"/>
+          <a:chExt cx="0" cy="0"/>
+        </a:xfrm>
+      </p:grpSpPr>
+      <p:sp>
+        <p:nvSpPr>
+          <p:cNvPr id="2" name="Título 1"/>
+          <p:cNvSpPr>
+            <a:spLocks noGrp="1"/>
+          </p:cNvSpPr>
+          <p:nvPr>
+            <p:ph type="title"/>
+          </p:nvPr>
+        </p:nvSpPr>
+        <p:spPr>
+          <a:xfrm>
+            <a:off x="587189" y="116541"/>
+            <a:ext cx="10874188" cy="6741459"/>
+          </a:xfrm>
+        </p:spPr>
+        <p:txBody>
+          <a:bodyPr>
+            <a:noAutofit/>
+          </a:bodyPr>
+          <a:lstStyle/>
+          <a:p>
+            <a:pPr algn="ctr">
+              <a:lnSpc>
+                <a:spcPct val="100000"/>
+              </a:lnSpc>
+            </a:pPr>
+            <a:r>
+              <a:rPr lang="pt-BR" sz="8800" b="1" dirty="0">
+                <a:latin typeface="Arial Black" panose="020B0A04020102090204" pitchFamily="34" charset="0"/>
+                <a:cs typeface="Aharoni" panose="02010803020104030203" pitchFamily="2" charset="-79"/>
+              </a:rPr>
+              <a:t>NÃO HÁ OUTRO IGUAL A TI </a:t>
+            </a:r>
+            <a:br>
+              <a:rPr lang="pt-BR" sz="8800" b="1" dirty="0">
+                <a:latin typeface="Arial Black" panose="020B0A04020102090204" pitchFamily="34" charset="0"/>
+                <a:cs typeface="Aharoni" panose="02010803020104030203" pitchFamily="2" charset="-79"/>
+              </a:rPr>
+            </a:br>
+            <a:r>
+              <a:rPr lang="pt-BR" sz="8800" b="1" dirty="0">
+                <a:latin typeface="Arial Black" panose="020B0A04020102090204" pitchFamily="34" charset="0"/>
+                <a:cs typeface="Aharoni" panose="02010803020104030203" pitchFamily="2" charset="-79"/>
+              </a:rPr>
+              <a:t>NÃO, NÃO HÁ</a:t>
+            </a:r>
+            <a:br>
+              <a:rPr lang="pt-BR" sz="8800" b="1" dirty="0">
+                <a:latin typeface="Arial Black" panose="020B0A04020102090204" pitchFamily="34" charset="0"/>
+                <a:cs typeface="Aharoni" panose="02010803020104030203" pitchFamily="2" charset="-79"/>
+              </a:rPr>
+            </a:br>
+            <a:r>
+              <a:rPr lang="pt-BR" sz="8800" b="1" dirty="0">
+                <a:latin typeface="Arial Black" panose="020B0A04020102090204" pitchFamily="34" charset="0"/>
+                <a:cs typeface="Aharoni" panose="02010803020104030203" pitchFamily="2" charset="-79"/>
+              </a:rPr>
+              <a:t>NÃO HÁ OUTRO IGUAL A TI</a:t>
+            </a:r>
+          </a:p>
+        </p:txBody>
+      </p:sp>
+    </p:spTree>
+    <p:extLst>
+      <p:ext uri="{BB962C8B-B14F-4D97-AF65-F5344CB8AC3E}">
+        <p14:creationId xmlns:p14="http://schemas.microsoft.com/office/powerpoint/2010/main" val="4046828610"/>
+      </p:ext>
+    </p:extLst>
+  </p:cSld>
+  <p:clrMapOvr>
+    <a:masterClrMapping/>
+  </p:clrMapOvr>
+  <mc:AlternateContent xmlns:mc="http://schemas.openxmlformats.org/markup-compatibility/2006" xmlns:p14="http://schemas.microsoft.com/office/powerpoint/2010/main">
+    <mc:Choice Requires="p14">
+      <p:transition spd="med" p14:dur="700">
+        <p:fade/>
+      </p:transition>
+    </mc:Choice>
+    <mc:Fallback xmlns:c="http://schemas.openxmlformats.org/drawingml/2006/chart" xmlns:dgm="http://schemas.openxmlformats.org/drawingml/2006/diagram" xmlns:cdr="http://schemas.openxmlformats.org/drawingml/2006/chartDrawing" xmlns:wne="http://schemas.microsoft.com/office/powerpoint/2006/powerpointml" xmlns:wp="http://schemas.openxmlformats.org/drawingml/2006/powerpointprocessingDrawing" xmlns:v="urn:schemas-microsoft-com:vml" xmlns:o="urn:schemas-microsoft-com:office:office" xmlns="">
+      <p:transition spd="med">
+        <p:fade/>
+      </p:transition>
+    </mc:Fallback>
+  </mc:AlternateContent>
+</p:sld>
+</file>
+
+<file path=ppt/slides/slide8.xml><?xml version="1.0" encoding="utf-8"?>
+<p:sld xmlns:a="http://schemas.openxmlformats.org/drawingml/2006/main" xmlns:r="http://schemas.openxmlformats.org/officeDocument/2006/relationships" xmlns:p="http://schemas.openxmlformats.org/presentationml/2006/main">
+  <p:cSld>
+    <p:bg>
+      <p:bgPr>
+        <a:blipFill dpi="0" rotWithShape="1">
+          <a:blip r:embed="rId2">
+            <a:lum/>
+          </a:blip>
+          <a:srcRect/>
+          <a:stretch>
+            <a:fillRect/>
+          </a:stretch>
+        </a:blipFill>
+        <a:effectLst/>
+      </p:bgPr>
+    </p:bg>
+    <p:spTree>
+      <p:nvGrpSpPr>
+        <p:cNvPr id="1" name=""/>
+        <p:cNvGrpSpPr/>
+        <p:nvPr/>
+      </p:nvGrpSpPr>
+      <p:grpSpPr>
+        <a:xfrm>
+          <a:off x="0" y="0"/>
+          <a:ext cx="0" cy="0"/>
+          <a:chOff x="0" y="0"/>
+          <a:chExt cx="0" cy="0"/>
+        </a:xfrm>
+      </p:grpSpPr>
+      <p:sp>
+        <p:nvSpPr>
+          <p:cNvPr id="2" name="Título 1"/>
+          <p:cNvSpPr>
+            <a:spLocks noGrp="1"/>
+          </p:cNvSpPr>
+          <p:nvPr>
+            <p:ph type="title"/>
+          </p:nvPr>
+        </p:nvSpPr>
+        <p:spPr>
+          <a:xfrm>
+            <a:off x="371341" y="1100462"/>
+            <a:ext cx="11449318" cy="5054641"/>
+          </a:xfrm>
+        </p:spPr>
+        <p:txBody>
+          <a:bodyPr>
+            <a:noAutofit/>
+          </a:bodyPr>
+          <a:lstStyle/>
+          <a:p>
+            <a:pPr algn="ctr"/>
+            <a:r>
+              <a:rPr lang="pt-BR" sz="9600" b="1" dirty="0">
+                <a:latin typeface="Arial Black" panose="020B0A04020102090204" pitchFamily="34" charset="0"/>
+                <a:cs typeface="Aharoni" panose="02010803020104030203" pitchFamily="2" charset="-79"/>
+              </a:rPr>
+              <a:t>POR QUE GRANDE ÉS TU</a:t>
+            </a:r>
+            <a:br>
+              <a:rPr lang="pt-BR" sz="9600" b="1" dirty="0">
+                <a:latin typeface="Arial Black" panose="020B0A04020102090204" pitchFamily="34" charset="0"/>
+                <a:cs typeface="Aharoni" panose="02010803020104030203" pitchFamily="2" charset="-79"/>
+              </a:rPr>
+            </a:br>
+            <a:r>
+              <a:rPr lang="pt-BR" sz="9600" b="1" dirty="0">
+                <a:latin typeface="Arial Black" panose="020B0A04020102090204" pitchFamily="34" charset="0"/>
+                <a:cs typeface="Aharoni" panose="02010803020104030203" pitchFamily="2" charset="-79"/>
+              </a:rPr>
+              <a:t>MARAVILHAS FAZES TU</a:t>
+            </a:r>
+          </a:p>
+        </p:txBody>
+      </p:sp>
+    </p:spTree>
+    <p:extLst>
+      <p:ext uri="{BB962C8B-B14F-4D97-AF65-F5344CB8AC3E}">
+        <p14:creationId xmlns:p14="http://schemas.microsoft.com/office/powerpoint/2010/main" val="3542645141"/>
+      </p:ext>
+    </p:extLst>
+  </p:cSld>
+  <p:clrMapOvr>
+    <a:masterClrMapping/>
+  </p:clrMapOvr>
+  <mc:AlternateContent xmlns:mc="http://schemas.openxmlformats.org/markup-compatibility/2006">
+    <mc:Choice xmlns:p14="http://schemas.microsoft.com/office/powerpoint/2010/main" Requires="p14">
+      <p:transition spd="med" p14:dur="700">
+        <p:fade/>
+      </p:transition>
+    </mc:Choice>
+    <mc:Fallback>
+      <p:transition spd="med">
+        <p:fade/>
+      </p:transition>
+    </mc:Fallback>
+  </mc:AlternateContent>
+</p:sld>
+</file>
+
+<file path=ppt/slides/slide9.xml><?xml version="1.0" encoding="utf-8"?>
+<p:sld xmlns:a="http://schemas.openxmlformats.org/drawingml/2006/main" xmlns:r="http://schemas.openxmlformats.org/officeDocument/2006/relationships" xmlns:p="http://schemas.openxmlformats.org/presentationml/2006/main">
+  <p:cSld>
+    <p:bg>
+      <p:bgPr>
+        <a:blipFill dpi="0" rotWithShape="1">
+          <a:blip r:embed="rId2">
+            <a:lum/>
+          </a:blip>
+          <a:srcRect/>
+          <a:stretch>
+            <a:fillRect/>
+          </a:stretch>
+        </a:blipFill>
+        <a:effectLst/>
+      </p:bgPr>
+    </p:bg>
+    <p:spTree>
+      <p:nvGrpSpPr>
+        <p:cNvPr id="1" name=""/>
+        <p:cNvGrpSpPr/>
+        <p:nvPr/>
+      </p:nvGrpSpPr>
+      <p:grpSpPr>
+        <a:xfrm>
+          <a:off x="0" y="0"/>
+          <a:ext cx="0" cy="0"/>
+          <a:chOff x="0" y="0"/>
+          <a:chExt cx="0" cy="0"/>
+        </a:xfrm>
+      </p:grpSpPr>
+      <p:sp>
+        <p:nvSpPr>
+          <p:cNvPr id="2" name="Título 1"/>
+          <p:cNvSpPr>
+            <a:spLocks noGrp="1"/>
+          </p:cNvSpPr>
+          <p:nvPr>
+            <p:ph type="title"/>
+          </p:nvPr>
+        </p:nvSpPr>
+        <p:spPr>
+          <a:xfrm>
+            <a:off x="587189" y="116541"/>
+            <a:ext cx="10874188" cy="6741459"/>
+          </a:xfrm>
+        </p:spPr>
+        <p:txBody>
+          <a:bodyPr>
+            <a:noAutofit/>
+          </a:bodyPr>
+          <a:lstStyle/>
+          <a:p>
+            <a:pPr algn="ctr">
+              <a:lnSpc>
+                <a:spcPct val="100000"/>
+              </a:lnSpc>
+            </a:pPr>
+            <a:r>
+              <a:rPr lang="pt-BR" sz="8800" b="1" dirty="0">
+                <a:latin typeface="Arial Black" panose="020B0A04020102090204" pitchFamily="34" charset="0"/>
+                <a:cs typeface="Aharoni" panose="02010803020104030203" pitchFamily="2" charset="-79"/>
+              </a:rPr>
+              <a:t>NÃO HÁ OUTRO IGUAL A TI </a:t>
+            </a:r>
+            <a:br>
+              <a:rPr lang="pt-BR" sz="8800" b="1" dirty="0">
+                <a:latin typeface="Arial Black" panose="020B0A04020102090204" pitchFamily="34" charset="0"/>
+                <a:cs typeface="Aharoni" panose="02010803020104030203" pitchFamily="2" charset="-79"/>
+              </a:rPr>
+            </a:br>
+            <a:r>
+              <a:rPr lang="pt-BR" sz="8800" b="1" dirty="0">
+                <a:latin typeface="Arial Black" panose="020B0A04020102090204" pitchFamily="34" charset="0"/>
+                <a:cs typeface="Aharoni" panose="02010803020104030203" pitchFamily="2" charset="-79"/>
+              </a:rPr>
+              <a:t>NÃO, NÃO HÁ</a:t>
+            </a:r>
+            <a:br>
+              <a:rPr lang="pt-BR" sz="8800" b="1" dirty="0">
+                <a:latin typeface="Arial Black" panose="020B0A04020102090204" pitchFamily="34" charset="0"/>
+                <a:cs typeface="Aharoni" panose="02010803020104030203" pitchFamily="2" charset="-79"/>
+              </a:rPr>
+            </a:br>
+            <a:r>
+              <a:rPr lang="pt-BR" sz="8800" b="1" dirty="0">
+                <a:latin typeface="Arial Black" panose="020B0A04020102090204" pitchFamily="34" charset="0"/>
+                <a:cs typeface="Aharoni" panose="02010803020104030203" pitchFamily="2" charset="-79"/>
+              </a:rPr>
+              <a:t>NÃO HÁ OUTRO IGUAL A TI</a:t>
+            </a:r>
+          </a:p>
+        </p:txBody>
+      </p:sp>
+    </p:spTree>
+    <p:extLst>
+      <p:ext uri="{BB962C8B-B14F-4D97-AF65-F5344CB8AC3E}">
+        <p14:creationId xmlns:p14="http://schemas.microsoft.com/office/powerpoint/2010/main" val="1918939288"/>
+      </p:ext>
+    </p:extLst>
+  </p:cSld>
+  <p:clrMapOvr>
+    <a:masterClrMapping/>
+  </p:clrMapOvr>
+  <mc:AlternateContent xmlns:mc="http://schemas.openxmlformats.org/markup-compatibility/2006">
+    <mc:Choice xmlns:p14="http://schemas.microsoft.com/office/powerpoint/2010/main" Requires="p14">
+      <p:transition spd="med" p14:dur="700">
+        <p:fade/>
+      </p:transition>
+    </mc:Choice>
+    <mc:Fallback>
       <p:transition spd="med">
         <p:fade/>
       </p:transition>
